--- a/slides/30.AI and Robotics2.pptx
+++ b/slides/30.AI and Robotics2.pptx
@@ -5,7 +5,7 @@
     <p:sldMasterId id="2147483648" r:id="rId1"/>
   </p:sldMasterIdLst>
   <p:notesMasterIdLst>
-    <p:notesMasterId r:id="rId8"/>
+    <p:notesMasterId r:id="rId10"/>
   </p:notesMasterIdLst>
   <p:sldIdLst>
     <p:sldId id="256" r:id="rId2"/>
@@ -13,7 +13,9 @@
     <p:sldId id="257" r:id="rId4"/>
     <p:sldId id="264" r:id="rId5"/>
     <p:sldId id="265" r:id="rId6"/>
-    <p:sldId id="268" r:id="rId7"/>
+    <p:sldId id="269" r:id="rId7"/>
+    <p:sldId id="270" r:id="rId8"/>
+    <p:sldId id="268" r:id="rId9"/>
   </p:sldIdLst>
   <p:sldSz cx="9144000" cy="6858000" type="screen4x3"/>
   <p:notesSz cx="6858000" cy="9144000"/>
@@ -197,7 +199,7 @@
           <a:p>
             <a:fld id="{A3F4B1A5-9480-4773-995A-26CCD4CD4246}" type="datetimeFigureOut">
               <a:rPr lang="en-MY" smtClean="0"/>
-              <a:t>30/08/2019</a:t>
+              <a:t>05/09/2019</a:t>
             </a:fld>
             <a:endParaRPr lang="en-MY"/>
           </a:p>
@@ -569,6 +571,198 @@
 </p:notes>
 </file>
 
+<file path=ppt/notesSlides/notesSlide2.xml><?xml version="1.0" encoding="utf-8"?>
+<p:notes xmlns:a="http://schemas.openxmlformats.org/drawingml/2006/main" xmlns:r="http://schemas.openxmlformats.org/officeDocument/2006/relationships" xmlns:p="http://schemas.openxmlformats.org/presentationml/2006/main">
+  <p:cSld>
+    <p:spTree>
+      <p:nvGrpSpPr>
+        <p:cNvPr id="1" name=""/>
+        <p:cNvGrpSpPr/>
+        <p:nvPr/>
+      </p:nvGrpSpPr>
+      <p:grpSpPr>
+        <a:xfrm>
+          <a:off x="0" y="0"/>
+          <a:ext cx="0" cy="0"/>
+          <a:chOff x="0" y="0"/>
+          <a:chExt cx="0" cy="0"/>
+        </a:xfrm>
+      </p:grpSpPr>
+      <p:sp>
+        <p:nvSpPr>
+          <p:cNvPr id="2" name="Slide Image Placeholder 1"/>
+          <p:cNvSpPr>
+            <a:spLocks noGrp="1" noRot="1" noChangeAspect="1"/>
+          </p:cNvSpPr>
+          <p:nvPr>
+            <p:ph type="sldImg"/>
+          </p:nvPr>
+        </p:nvSpPr>
+        <p:spPr/>
+      </p:sp>
+      <p:sp>
+        <p:nvSpPr>
+          <p:cNvPr id="3" name="Notes Placeholder 2"/>
+          <p:cNvSpPr>
+            <a:spLocks noGrp="1"/>
+          </p:cNvSpPr>
+          <p:nvPr>
+            <p:ph type="body" idx="1"/>
+          </p:nvPr>
+        </p:nvSpPr>
+        <p:spPr/>
+        <p:txBody>
+          <a:bodyPr/>
+          <a:lstStyle/>
+          <a:p>
+            <a:endParaRPr lang="en-MY" dirty="0"/>
+          </a:p>
+        </p:txBody>
+      </p:sp>
+      <p:sp>
+        <p:nvSpPr>
+          <p:cNvPr id="4" name="Slide Number Placeholder 3"/>
+          <p:cNvSpPr>
+            <a:spLocks noGrp="1"/>
+          </p:cNvSpPr>
+          <p:nvPr>
+            <p:ph type="sldNum" sz="quarter" idx="10"/>
+          </p:nvPr>
+        </p:nvSpPr>
+        <p:spPr/>
+        <p:txBody>
+          <a:bodyPr/>
+          <a:lstStyle/>
+          <a:p>
+            <a:fld id="{797219D4-6333-4771-9593-54DCD3EE7E56}" type="slidenum">
+              <a:rPr lang="en-MY" smtClean="0"/>
+              <a:t>6</a:t>
+            </a:fld>
+            <a:endParaRPr lang="en-MY"/>
+          </a:p>
+        </p:txBody>
+      </p:sp>
+    </p:spTree>
+    <p:extLst>
+      <p:ext uri="{BB962C8B-B14F-4D97-AF65-F5344CB8AC3E}">
+        <p14:creationId xmlns:p14="http://schemas.microsoft.com/office/powerpoint/2010/main" val="582342585"/>
+      </p:ext>
+    </p:extLst>
+  </p:cSld>
+  <p:clrMapOvr>
+    <a:masterClrMapping/>
+  </p:clrMapOvr>
+</p:notes>
+</file>
+
+<file path=ppt/notesSlides/notesSlide3.xml><?xml version="1.0" encoding="utf-8"?>
+<p:notes xmlns:a="http://schemas.openxmlformats.org/drawingml/2006/main" xmlns:r="http://schemas.openxmlformats.org/officeDocument/2006/relationships" xmlns:p="http://schemas.openxmlformats.org/presentationml/2006/main">
+  <p:cSld>
+    <p:spTree>
+      <p:nvGrpSpPr>
+        <p:cNvPr id="1" name=""/>
+        <p:cNvGrpSpPr/>
+        <p:nvPr/>
+      </p:nvGrpSpPr>
+      <p:grpSpPr>
+        <a:xfrm>
+          <a:off x="0" y="0"/>
+          <a:ext cx="0" cy="0"/>
+          <a:chOff x="0" y="0"/>
+          <a:chExt cx="0" cy="0"/>
+        </a:xfrm>
+      </p:grpSpPr>
+      <p:sp>
+        <p:nvSpPr>
+          <p:cNvPr id="2" name="Slide Image Placeholder 1"/>
+          <p:cNvSpPr>
+            <a:spLocks noGrp="1" noRot="1" noChangeAspect="1"/>
+          </p:cNvSpPr>
+          <p:nvPr>
+            <p:ph type="sldImg"/>
+          </p:nvPr>
+        </p:nvSpPr>
+        <p:spPr/>
+      </p:sp>
+      <p:sp>
+        <p:nvSpPr>
+          <p:cNvPr id="3" name="Notes Placeholder 2"/>
+          <p:cNvSpPr>
+            <a:spLocks noGrp="1"/>
+          </p:cNvSpPr>
+          <p:nvPr>
+            <p:ph type="body" idx="1"/>
+          </p:nvPr>
+        </p:nvSpPr>
+        <p:spPr/>
+        <p:txBody>
+          <a:bodyPr/>
+          <a:lstStyle/>
+          <a:p>
+            <a:r>
+              <a:rPr lang="en-US" sz="1200" b="0" i="0" kern="1200" dirty="0" smtClean="0">
+                <a:solidFill>
+                  <a:schemeClr val="tx1"/>
+                </a:solidFill>
+                <a:effectLst/>
+                <a:latin typeface="+mn-lt"/>
+                <a:ea typeface="+mn-ea"/>
+                <a:cs typeface="+mn-cs"/>
+              </a:rPr>
+              <a:t>Director of AI Research at </a:t>
+            </a:r>
+            <a:r>
+              <a:rPr lang="en-US" sz="1200" b="1" i="0" kern="1200" dirty="0" smtClean="0">
+                <a:solidFill>
+                  <a:schemeClr val="tx1"/>
+                </a:solidFill>
+                <a:effectLst/>
+                <a:latin typeface="+mn-lt"/>
+                <a:ea typeface="+mn-ea"/>
+                <a:cs typeface="+mn-cs"/>
+              </a:rPr>
+              <a:t>Facebook</a:t>
+            </a:r>
+            <a:endParaRPr lang="en-MY" dirty="0"/>
+          </a:p>
+        </p:txBody>
+      </p:sp>
+      <p:sp>
+        <p:nvSpPr>
+          <p:cNvPr id="4" name="Slide Number Placeholder 3"/>
+          <p:cNvSpPr>
+            <a:spLocks noGrp="1"/>
+          </p:cNvSpPr>
+          <p:nvPr>
+            <p:ph type="sldNum" sz="quarter" idx="10"/>
+          </p:nvPr>
+        </p:nvSpPr>
+        <p:spPr/>
+        <p:txBody>
+          <a:bodyPr/>
+          <a:lstStyle/>
+          <a:p>
+            <a:fld id="{797219D4-6333-4771-9593-54DCD3EE7E56}" type="slidenum">
+              <a:rPr lang="en-MY" smtClean="0"/>
+              <a:t>8</a:t>
+            </a:fld>
+            <a:endParaRPr lang="en-MY"/>
+          </a:p>
+        </p:txBody>
+      </p:sp>
+    </p:spTree>
+    <p:extLst>
+      <p:ext uri="{BB962C8B-B14F-4D97-AF65-F5344CB8AC3E}">
+        <p14:creationId xmlns:p14="http://schemas.microsoft.com/office/powerpoint/2010/main" val="2382266534"/>
+      </p:ext>
+    </p:extLst>
+  </p:cSld>
+  <p:clrMapOvr>
+    <a:masterClrMapping/>
+  </p:clrMapOvr>
+</p:notes>
+</file>
+
 <file path=ppt/slideLayouts/slideLayout1.xml><?xml version="1.0" encoding="utf-8"?>
 <p:sldLayout xmlns:a="http://schemas.openxmlformats.org/drawingml/2006/main" xmlns:r="http://schemas.openxmlformats.org/officeDocument/2006/relationships" xmlns:p="http://schemas.openxmlformats.org/presentationml/2006/main" type="title" preserve="1">
   <p:cSld name="Title Slide">
@@ -751,7 +945,7 @@
             <a:fld id="{1D8BD707-D9CF-40AE-B4C6-C98DA3205C09}" type="datetimeFigureOut">
               <a:rPr lang="en-US" smtClean="0"/>
               <a:pPr/>
-              <a:t>8/30/2019</a:t>
+              <a:t>9/5/2019</a:t>
             </a:fld>
             <a:endParaRPr lang="en-US"/>
           </a:p>
@@ -918,7 +1112,7 @@
             <a:fld id="{1D8BD707-D9CF-40AE-B4C6-C98DA3205C09}" type="datetimeFigureOut">
               <a:rPr lang="en-US" smtClean="0"/>
               <a:pPr/>
-              <a:t>8/30/2019</a:t>
+              <a:t>9/5/2019</a:t>
             </a:fld>
             <a:endParaRPr lang="en-US"/>
           </a:p>
@@ -1095,7 +1289,7 @@
             <a:fld id="{1D8BD707-D9CF-40AE-B4C6-C98DA3205C09}" type="datetimeFigureOut">
               <a:rPr lang="en-US" smtClean="0"/>
               <a:pPr/>
-              <a:t>8/30/2019</a:t>
+              <a:t>9/5/2019</a:t>
             </a:fld>
             <a:endParaRPr lang="en-US"/>
           </a:p>
@@ -1262,7 +1456,7 @@
             <a:fld id="{1D8BD707-D9CF-40AE-B4C6-C98DA3205C09}" type="datetimeFigureOut">
               <a:rPr lang="en-US" smtClean="0"/>
               <a:pPr/>
-              <a:t>8/30/2019</a:t>
+              <a:t>9/5/2019</a:t>
             </a:fld>
             <a:endParaRPr lang="en-US"/>
           </a:p>
@@ -1505,7 +1699,7 @@
             <a:fld id="{1D8BD707-D9CF-40AE-B4C6-C98DA3205C09}" type="datetimeFigureOut">
               <a:rPr lang="en-US" smtClean="0"/>
               <a:pPr/>
-              <a:t>8/30/2019</a:t>
+              <a:t>9/5/2019</a:t>
             </a:fld>
             <a:endParaRPr lang="en-US"/>
           </a:p>
@@ -1790,7 +1984,7 @@
             <a:fld id="{1D8BD707-D9CF-40AE-B4C6-C98DA3205C09}" type="datetimeFigureOut">
               <a:rPr lang="en-US" smtClean="0"/>
               <a:pPr/>
-              <a:t>8/30/2019</a:t>
+              <a:t>9/5/2019</a:t>
             </a:fld>
             <a:endParaRPr lang="en-US"/>
           </a:p>
@@ -2209,7 +2403,7 @@
             <a:fld id="{1D8BD707-D9CF-40AE-B4C6-C98DA3205C09}" type="datetimeFigureOut">
               <a:rPr lang="en-US" smtClean="0"/>
               <a:pPr/>
-              <a:t>8/30/2019</a:t>
+              <a:t>9/5/2019</a:t>
             </a:fld>
             <a:endParaRPr lang="en-US"/>
           </a:p>
@@ -2324,7 +2518,7 @@
             <a:fld id="{1D8BD707-D9CF-40AE-B4C6-C98DA3205C09}" type="datetimeFigureOut">
               <a:rPr lang="en-US" smtClean="0"/>
               <a:pPr/>
-              <a:t>8/30/2019</a:t>
+              <a:t>9/5/2019</a:t>
             </a:fld>
             <a:endParaRPr lang="en-US"/>
           </a:p>
@@ -2416,7 +2610,7 @@
             <a:fld id="{1D8BD707-D9CF-40AE-B4C6-C98DA3205C09}" type="datetimeFigureOut">
               <a:rPr lang="en-US" smtClean="0"/>
               <a:pPr/>
-              <a:t>8/30/2019</a:t>
+              <a:t>9/5/2019</a:t>
             </a:fld>
             <a:endParaRPr lang="en-US"/>
           </a:p>
@@ -2690,7 +2884,7 @@
             <a:fld id="{1D8BD707-D9CF-40AE-B4C6-C98DA3205C09}" type="datetimeFigureOut">
               <a:rPr lang="en-US" smtClean="0"/>
               <a:pPr/>
-              <a:t>8/30/2019</a:t>
+              <a:t>9/5/2019</a:t>
             </a:fld>
             <a:endParaRPr lang="en-US"/>
           </a:p>
@@ -2940,7 +3134,7 @@
             <a:fld id="{1D8BD707-D9CF-40AE-B4C6-C98DA3205C09}" type="datetimeFigureOut">
               <a:rPr lang="en-US" smtClean="0"/>
               <a:pPr/>
-              <a:t>8/30/2019</a:t>
+              <a:t>9/5/2019</a:t>
             </a:fld>
             <a:endParaRPr lang="en-US"/>
           </a:p>
@@ -3150,7 +3344,7 @@
             <a:fld id="{1D8BD707-D9CF-40AE-B4C6-C98DA3205C09}" type="datetimeFigureOut">
               <a:rPr lang="en-US" smtClean="0"/>
               <a:pPr/>
-              <a:t>8/30/2019</a:t>
+              <a:t>9/5/2019</a:t>
             </a:fld>
             <a:endParaRPr lang="en-US"/>
           </a:p>
@@ -4328,7 +4522,18 @@
             <a:pPr lvl="1"/>
             <a:r>
               <a:rPr lang="en-US" dirty="0" smtClean="0"/>
-              <a:t>Playing GO</a:t>
+              <a:t>Playing </a:t>
+            </a:r>
+            <a:r>
+              <a:rPr lang="en-US" dirty="0" smtClean="0"/>
+              <a:t>GO</a:t>
+            </a:r>
+          </a:p>
+          <a:p>
+            <a:pPr lvl="1"/>
+            <a:r>
+              <a:rPr lang="en-US" dirty="0" smtClean="0"/>
+              <a:t>Generate Image, voice</a:t>
             </a:r>
             <a:endParaRPr lang="en-MY" dirty="0"/>
           </a:p>
@@ -4388,6 +4593,224 @@
           <a:p>
             <a:r>
               <a:rPr lang="en-US" dirty="0" smtClean="0"/>
+              <a:t>Tom Cruise’s Terminator</a:t>
+            </a:r>
+            <a:endParaRPr lang="en-MY" dirty="0"/>
+          </a:p>
+        </p:txBody>
+      </p:sp>
+      <p:sp>
+        <p:nvSpPr>
+          <p:cNvPr id="3" name="Content Placeholder 2"/>
+          <p:cNvSpPr>
+            <a:spLocks noGrp="1"/>
+          </p:cNvSpPr>
+          <p:nvPr>
+            <p:ph idx="1"/>
+          </p:nvPr>
+        </p:nvSpPr>
+        <p:spPr/>
+        <p:txBody>
+          <a:bodyPr/>
+          <a:lstStyle/>
+          <a:p>
+            <a:r>
+              <a:rPr lang="en-MY" dirty="0">
+                <a:hlinkClick r:id="rId3"/>
+              </a:rPr>
+              <a:t>https://www.youtube.com/watch?v=7fOtCldHl4U</a:t>
+            </a:r>
+            <a:endParaRPr lang="en-MY" dirty="0"/>
+          </a:p>
+        </p:txBody>
+      </p:sp>
+    </p:spTree>
+    <p:extLst>
+      <p:ext uri="{BB962C8B-B14F-4D97-AF65-F5344CB8AC3E}">
+        <p14:creationId xmlns:p14="http://schemas.microsoft.com/office/powerpoint/2010/main" val="885273444"/>
+      </p:ext>
+    </p:extLst>
+  </p:cSld>
+  <p:clrMapOvr>
+    <a:masterClrMapping/>
+  </p:clrMapOvr>
+  <p:timing>
+    <p:tnLst>
+      <p:par>
+        <p:cTn id="1" dur="indefinite" restart="never" nodeType="tmRoot"/>
+      </p:par>
+    </p:tnLst>
+  </p:timing>
+</p:sld>
+</file>
+
+<file path=ppt/slides/slide7.xml><?xml version="1.0" encoding="utf-8"?>
+<p:sld xmlns:a="http://schemas.openxmlformats.org/drawingml/2006/main" xmlns:r="http://schemas.openxmlformats.org/officeDocument/2006/relationships" xmlns:p="http://schemas.openxmlformats.org/presentationml/2006/main">
+  <p:cSld>
+    <p:spTree>
+      <p:nvGrpSpPr>
+        <p:cNvPr id="1" name=""/>
+        <p:cNvGrpSpPr/>
+        <p:nvPr/>
+      </p:nvGrpSpPr>
+      <p:grpSpPr>
+        <a:xfrm>
+          <a:off x="0" y="0"/>
+          <a:ext cx="0" cy="0"/>
+          <a:chOff x="0" y="0"/>
+          <a:chExt cx="0" cy="0"/>
+        </a:xfrm>
+      </p:grpSpPr>
+      <p:sp>
+        <p:nvSpPr>
+          <p:cNvPr id="2" name="Title 1"/>
+          <p:cNvSpPr>
+            <a:spLocks noGrp="1"/>
+          </p:cNvSpPr>
+          <p:nvPr>
+            <p:ph type="title"/>
+          </p:nvPr>
+        </p:nvSpPr>
+        <p:spPr/>
+        <p:txBody>
+          <a:bodyPr/>
+          <a:lstStyle/>
+          <a:p>
+            <a:r>
+              <a:rPr lang="en-US" dirty="0" smtClean="0"/>
+              <a:t>Deep Fake</a:t>
+            </a:r>
+            <a:endParaRPr lang="en-MY" dirty="0"/>
+          </a:p>
+        </p:txBody>
+      </p:sp>
+      <p:sp>
+        <p:nvSpPr>
+          <p:cNvPr id="3" name="Content Placeholder 2"/>
+          <p:cNvSpPr>
+            <a:spLocks noGrp="1"/>
+          </p:cNvSpPr>
+          <p:nvPr>
+            <p:ph idx="1"/>
+          </p:nvPr>
+        </p:nvSpPr>
+        <p:spPr/>
+        <p:txBody>
+          <a:bodyPr/>
+          <a:lstStyle/>
+          <a:p>
+            <a:endParaRPr lang="en-MY" dirty="0"/>
+          </a:p>
+        </p:txBody>
+      </p:sp>
+      <p:pic>
+        <p:nvPicPr>
+          <p:cNvPr id="1027" name="Picture 3"/>
+          <p:cNvPicPr>
+            <a:picLocks noChangeAspect="1" noChangeArrowheads="1"/>
+          </p:cNvPicPr>
+          <p:nvPr/>
+        </p:nvPicPr>
+        <p:blipFill>
+          <a:blip r:embed="rId2">
+            <a:extLst>
+              <a:ext uri="{28A0092B-C50C-407E-A947-70E740481C1C}">
+                <a14:useLocalDpi xmlns:a14="http://schemas.microsoft.com/office/drawing/2010/main" val="0"/>
+              </a:ext>
+            </a:extLst>
+          </a:blip>
+          <a:srcRect/>
+          <a:stretch>
+            <a:fillRect/>
+          </a:stretch>
+        </p:blipFill>
+        <p:spPr bwMode="auto">
+          <a:xfrm>
+            <a:off x="228600" y="1661470"/>
+            <a:ext cx="8763000" cy="4891730"/>
+          </a:xfrm>
+          <a:prstGeom prst="rect">
+            <a:avLst/>
+          </a:prstGeom>
+          <a:noFill/>
+          <a:ln>
+            <a:noFill/>
+          </a:ln>
+          <a:extLst>
+            <a:ext uri="{909E8E84-426E-40DD-AFC4-6F175D3DCCD1}">
+              <a14:hiddenFill xmlns:a14="http://schemas.microsoft.com/office/drawing/2010/main">
+                <a:solidFill>
+                  <a:schemeClr val="accent1"/>
+                </a:solidFill>
+              </a14:hiddenFill>
+            </a:ext>
+            <a:ext uri="{91240B29-F687-4F45-9708-019B960494DF}">
+              <a14:hiddenLine xmlns:a14="http://schemas.microsoft.com/office/drawing/2010/main" w="9525">
+                <a:solidFill>
+                  <a:schemeClr val="tx1"/>
+                </a:solidFill>
+                <a:miter lim="800000"/>
+                <a:headEnd/>
+                <a:tailEnd/>
+              </a14:hiddenLine>
+            </a:ext>
+          </a:extLst>
+        </p:spPr>
+      </p:pic>
+    </p:spTree>
+    <p:extLst>
+      <p:ext uri="{BB962C8B-B14F-4D97-AF65-F5344CB8AC3E}">
+        <p14:creationId xmlns:p14="http://schemas.microsoft.com/office/powerpoint/2010/main" val="1276836795"/>
+      </p:ext>
+    </p:extLst>
+  </p:cSld>
+  <p:clrMapOvr>
+    <a:masterClrMapping/>
+  </p:clrMapOvr>
+  <p:timing>
+    <p:tnLst>
+      <p:par>
+        <p:cTn id="1" dur="indefinite" restart="never" nodeType="tmRoot"/>
+      </p:par>
+    </p:tnLst>
+  </p:timing>
+</p:sld>
+</file>
+
+<file path=ppt/slides/slide8.xml><?xml version="1.0" encoding="utf-8"?>
+<p:sld xmlns:a="http://schemas.openxmlformats.org/drawingml/2006/main" xmlns:r="http://schemas.openxmlformats.org/officeDocument/2006/relationships" xmlns:p="http://schemas.openxmlformats.org/presentationml/2006/main">
+  <p:cSld>
+    <p:spTree>
+      <p:nvGrpSpPr>
+        <p:cNvPr id="1" name=""/>
+        <p:cNvGrpSpPr/>
+        <p:nvPr/>
+      </p:nvGrpSpPr>
+      <p:grpSpPr>
+        <a:xfrm>
+          <a:off x="0" y="0"/>
+          <a:ext cx="0" cy="0"/>
+          <a:chOff x="0" y="0"/>
+          <a:chExt cx="0" cy="0"/>
+        </a:xfrm>
+      </p:grpSpPr>
+      <p:sp>
+        <p:nvSpPr>
+          <p:cNvPr id="2" name="Title 1"/>
+          <p:cNvSpPr>
+            <a:spLocks noGrp="1"/>
+          </p:cNvSpPr>
+          <p:nvPr>
+            <p:ph type="title"/>
+          </p:nvPr>
+        </p:nvSpPr>
+        <p:spPr/>
+        <p:txBody>
+          <a:bodyPr/>
+          <a:lstStyle/>
+          <a:p>
+            <a:r>
+              <a:rPr lang="en-US" dirty="0" smtClean="0"/>
               <a:t>Heroes of Deep Learning</a:t>
             </a:r>
             <a:endParaRPr lang="en-MY" dirty="0"/>
@@ -4461,7 +4884,7 @@
           <p:nvPr/>
         </p:nvPicPr>
         <p:blipFill>
-          <a:blip r:embed="rId2">
+          <a:blip r:embed="rId3">
             <a:extLst>
               <a:ext uri="{28A0092B-C50C-407E-A947-70E740481C1C}">
                 <a14:useLocalDpi xmlns:a14="http://schemas.microsoft.com/office/drawing/2010/main" val="0"/>
@@ -4574,6 +4997,13 @@
   <p:clrMapOvr>
     <a:masterClrMapping/>
   </p:clrMapOvr>
+  <p:timing>
+    <p:tnLst>
+      <p:par>
+        <p:cTn id="1" dur="indefinite" restart="never" nodeType="tmRoot"/>
+      </p:par>
+    </p:tnLst>
+  </p:timing>
 </p:sld>
 </file>
 

--- a/slides/30.AI and Robotics2.pptx
+++ b/slides/30.AI and Robotics2.pptx
@@ -723,7 +723,45 @@
               </a:rPr>
               <a:t>Facebook</a:t>
             </a:r>
-            <a:endParaRPr lang="en-MY" dirty="0"/>
+          </a:p>
+          <a:p>
+            <a:r>
+              <a:rPr lang="en-US" sz="1200" b="0" i="0" kern="1200" dirty="0" smtClean="0">
+                <a:solidFill>
+                  <a:schemeClr val="tx1"/>
+                </a:solidFill>
+                <a:effectLst/>
+                <a:latin typeface="+mn-lt"/>
+                <a:ea typeface="+mn-ea"/>
+                <a:cs typeface="+mn-cs"/>
+              </a:rPr>
+              <a:t>pioneer</a:t>
+            </a:r>
+            <a:r>
+              <a:rPr lang="en-US" sz="1200" b="0" i="0" kern="1200" baseline="0" dirty="0" smtClean="0">
+                <a:solidFill>
+                  <a:schemeClr val="tx1"/>
+                </a:solidFill>
+                <a:effectLst/>
+                <a:latin typeface="+mn-lt"/>
+                <a:ea typeface="+mn-ea"/>
+                <a:cs typeface="+mn-cs"/>
+              </a:rPr>
+              <a:t> of modern</a:t>
+            </a:r>
+            <a:r>
+              <a:rPr lang="en-US" sz="1200" b="0" i="0" kern="1200" dirty="0" smtClean="0">
+                <a:solidFill>
+                  <a:schemeClr val="tx1"/>
+                </a:solidFill>
+                <a:effectLst/>
+                <a:latin typeface="+mn-lt"/>
+                <a:ea typeface="+mn-ea"/>
+                <a:cs typeface="+mn-cs"/>
+              </a:rPr>
+              <a:t> deep learning</a:t>
+            </a:r>
+            <a:endParaRPr lang="en-MY" b="0" dirty="0"/>
           </a:p>
         </p:txBody>
       </p:sp>
@@ -4522,11 +4560,7 @@
             <a:pPr lvl="1"/>
             <a:r>
               <a:rPr lang="en-US" dirty="0" smtClean="0"/>
-              <a:t>Playing </a:t>
-            </a:r>
-            <a:r>
-              <a:rPr lang="en-US" dirty="0" smtClean="0"/>
-              <a:t>GO</a:t>
+              <a:t>Playing GO</a:t>
             </a:r>
           </a:p>
           <a:p>
